--- a/1. Introduction to Cybersecurity/1. Introduction to Cybersecurity.pptx
+++ b/1. Introduction to Cybersecurity/1. Introduction to Cybersecurity.pptx
@@ -4,6 +4,9 @@
   <p:sldMasterIdLst>
     <p:sldMasterId id="2147483648" r:id="rId1"/>
   </p:sldMasterIdLst>
+  <p:sldIdLst>
+    <p:sldId id="256" r:id="rId2"/>
+  </p:sldIdLst>
   <p:sldSz cx="12192000" cy="6858000"/>
   <p:notesSz cx="6858000" cy="9144000"/>
   <p:defaultTextStyle>
@@ -101,6 +104,11 @@
       </a:defRPr>
     </a:lvl9pPr>
   </p:defaultTextStyle>
+  <p:extLst>
+    <p:ext uri="{EFAFB233-063F-42B5-8137-9DF3F51BA10A}">
+      <p15:sldGuideLst xmlns:p15="http://schemas.microsoft.com/office/powerpoint/2012/main"/>
+    </p:ext>
+  </p:extLst>
 </p:presentation>
 </file>
 
@@ -2944,6 +2952,194 @@
 </p:sldMaster>
 </file>
 
+<file path=ppt/slides/slide1.xml><?xml version="1.0" encoding="utf-8"?>
+<p:sld xmlns:a="http://schemas.openxmlformats.org/drawingml/2006/main" xmlns:r="http://schemas.openxmlformats.org/officeDocument/2006/relationships" xmlns:p="http://schemas.openxmlformats.org/presentationml/2006/main">
+  <p:cSld>
+    <p:spTree>
+      <p:nvGrpSpPr>
+        <p:cNvPr id="1" name=""/>
+        <p:cNvGrpSpPr/>
+        <p:nvPr/>
+      </p:nvGrpSpPr>
+      <p:grpSpPr>
+        <a:xfrm>
+          <a:off x="0" y="0"/>
+          <a:ext cx="0" cy="0"/>
+          <a:chOff x="0" y="0"/>
+          <a:chExt cx="0" cy="0"/>
+        </a:xfrm>
+      </p:grpSpPr>
+      <p:sp>
+        <p:nvSpPr>
+          <p:cNvPr id="2" name="Title 1"/>
+          <p:cNvSpPr>
+            <a:spLocks noGrp="1"/>
+          </p:cNvSpPr>
+          <p:nvPr>
+            <p:ph type="title"/>
+          </p:nvPr>
+        </p:nvSpPr>
+        <p:spPr>
+          <a:xfrm>
+            <a:off x="0" y="6480699"/>
+            <a:ext cx="12192000" cy="359045"/>
+          </a:xfrm>
+        </p:spPr>
+        <p:txBody>
+          <a:bodyPr>
+            <a:normAutofit/>
+          </a:bodyPr>
+          <a:lstStyle/>
+          <a:p>
+            <a:pPr algn="r"/>
+            <a:r>
+              <a:rPr lang="en-US" sz="1200" dirty="0" smtClean="0">
+                <a:solidFill>
+                  <a:schemeClr val="bg1">
+                    <a:lumMod val="50000"/>
+                  </a:schemeClr>
+                </a:solidFill>
+              </a:rPr>
+              <a:t>©️</a:t>
+            </a:r>
+            <a:r>
+              <a:rPr lang="en-US" sz="1200" dirty="0" err="1" smtClean="0">
+                <a:solidFill>
+                  <a:schemeClr val="bg1">
+                    <a:lumMod val="50000"/>
+                  </a:schemeClr>
+                </a:solidFill>
+              </a:rPr>
+              <a:t>Naimul</a:t>
+            </a:r>
+            <a:r>
+              <a:rPr lang="en-US" sz="1200" dirty="0" smtClean="0">
+                <a:solidFill>
+                  <a:schemeClr val="bg1">
+                    <a:lumMod val="50000"/>
+                  </a:schemeClr>
+                </a:solidFill>
+              </a:rPr>
+              <a:t> Islam </a:t>
+            </a:r>
+            <a:r>
+              <a:rPr lang="en-US" sz="1200" dirty="0" err="1" smtClean="0">
+                <a:solidFill>
+                  <a:schemeClr val="bg1">
+                    <a:lumMod val="50000"/>
+                  </a:schemeClr>
+                </a:solidFill>
+              </a:rPr>
+              <a:t>Mehedi</a:t>
+            </a:r>
+            <a:r>
+              <a:rPr lang="en-US" sz="1200" dirty="0" smtClean="0">
+                <a:solidFill>
+                  <a:schemeClr val="bg1">
+                    <a:lumMod val="50000"/>
+                  </a:schemeClr>
+                </a:solidFill>
+              </a:rPr>
+              <a:t> </a:t>
+            </a:r>
+            <a:endParaRPr lang="en-US" sz="1200" dirty="0">
+              <a:solidFill>
+                <a:schemeClr val="bg1">
+                  <a:lumMod val="50000"/>
+                </a:schemeClr>
+              </a:solidFill>
+            </a:endParaRPr>
+          </a:p>
+        </p:txBody>
+      </p:sp>
+      <p:sp>
+        <p:nvSpPr>
+          <p:cNvPr id="3" name="Content Placeholder 2"/>
+          <p:cNvSpPr>
+            <a:spLocks noGrp="1"/>
+          </p:cNvSpPr>
+          <p:nvPr>
+            <p:ph idx="1"/>
+          </p:nvPr>
+        </p:nvSpPr>
+        <p:spPr/>
+        <p:txBody>
+          <a:bodyPr/>
+          <a:lstStyle/>
+          <a:p>
+            <a:endParaRPr lang="en-US" dirty="0"/>
+          </a:p>
+        </p:txBody>
+      </p:sp>
+      <p:sp>
+        <p:nvSpPr>
+          <p:cNvPr id="4" name="Title 1"/>
+          <p:cNvSpPr txBox="1">
+            <a:spLocks/>
+          </p:cNvSpPr>
+          <p:nvPr/>
+        </p:nvSpPr>
+        <p:spPr>
+          <a:xfrm>
+            <a:off x="838200" y="365125"/>
+            <a:ext cx="10515600" cy="1325563"/>
+          </a:xfrm>
+          <a:prstGeom prst="rect">
+            <a:avLst/>
+          </a:prstGeom>
+        </p:spPr>
+        <p:txBody>
+          <a:bodyPr vert="horz" lIns="91440" tIns="45720" rIns="91440" bIns="45720" rtlCol="0" anchor="ctr">
+            <a:normAutofit/>
+          </a:bodyPr>
+          <a:lstStyle>
+            <a:lvl1pPr algn="l" defTabSz="914400" rtl="0" eaLnBrk="1" latinLnBrk="0" hangingPunct="1">
+              <a:lnSpc>
+                <a:spcPct val="90000"/>
+              </a:lnSpc>
+              <a:spcBef>
+                <a:spcPct val="0"/>
+              </a:spcBef>
+              <a:buNone/>
+              <a:defRPr sz="4400" kern="1200">
+                <a:solidFill>
+                  <a:schemeClr val="tx1"/>
+                </a:solidFill>
+                <a:latin typeface="+mj-lt"/>
+                <a:ea typeface="+mj-ea"/>
+                <a:cs typeface="+mj-cs"/>
+              </a:defRPr>
+            </a:lvl1pPr>
+          </a:lstStyle>
+          <a:p>
+            <a:r>
+              <a:rPr lang="en-US" b="1" smtClean="0"/>
+              <a:t>fds</a:t>
+            </a:r>
+            <a:endParaRPr lang="en-US" b="1" dirty="0"/>
+          </a:p>
+        </p:txBody>
+      </p:sp>
+    </p:spTree>
+    <p:extLst>
+      <p:ext uri="{BB962C8B-B14F-4D97-AF65-F5344CB8AC3E}">
+        <p14:creationId xmlns:p14="http://schemas.microsoft.com/office/powerpoint/2010/main" val="2417025540"/>
+      </p:ext>
+    </p:extLst>
+  </p:cSld>
+  <p:clrMapOvr>
+    <a:masterClrMapping/>
+  </p:clrMapOvr>
+  <p:timing>
+    <p:tnLst>
+      <p:par>
+        <p:cTn id="1" dur="indefinite" restart="never" nodeType="tmRoot"/>
+      </p:par>
+    </p:tnLst>
+  </p:timing>
+</p:sld>
+</file>
+
 <file path=ppt/theme/theme1.xml><?xml version="1.0" encoding="utf-8"?>
 <a:theme xmlns:a="http://schemas.openxmlformats.org/drawingml/2006/main" name="Office Theme">
   <a:themeElements>
